--- a/img/SRGAN Result3.pptx
+++ b/img/SRGAN Result3.pptx
@@ -3406,121 +3406,170 @@
           <a:chExt cx="0" cy="0"/>
         </a:xfrm>
       </p:grpSpPr>
-      <p:grpSp>
-        <p:nvGrpSpPr>
-          <p:cNvPr id="18" name="Group 17"/>
-          <p:cNvGrpSpPr/>
+      <p:pic>
+        <p:nvPicPr>
+          <p:cNvPr id="12" name="Picture 11"/>
+          <p:cNvPicPr>
+            <a:picLocks noChangeAspect="1"/>
+          </p:cNvPicPr>
           <p:nvPr/>
-        </p:nvGrpSpPr>
-        <p:grpSpPr>
+        </p:nvPicPr>
+        <p:blipFill>
+          <a:blip r:embed="rId3">
+            <a:extLst>
+              <a:ext uri="{28A0092B-C50C-407E-A947-70E740481C1C}">
+                <a14:useLocalDpi xmlns:a14="http://schemas.microsoft.com/office/drawing/2010/main" val="0"/>
+              </a:ext>
+            </a:extLst>
+          </a:blip>
+          <a:stretch>
+            <a:fillRect/>
+          </a:stretch>
+        </p:blipFill>
+        <p:spPr>
+          <a:xfrm>
+            <a:off x="6801818" y="538843"/>
+            <a:ext cx="5390182" cy="5780314"/>
+          </a:xfrm>
+          <a:prstGeom prst="rect">
+            <a:avLst/>
+          </a:prstGeom>
+        </p:spPr>
+      </p:pic>
+      <p:sp>
+        <p:nvSpPr>
+          <p:cNvPr id="15" name="Right Arrow 14"/>
+          <p:cNvSpPr/>
+          <p:nvPr/>
+        </p:nvSpPr>
+        <p:spPr>
+          <a:xfrm>
+            <a:off x="5377742" y="2979964"/>
+            <a:ext cx="1370523" cy="898072"/>
+          </a:xfrm>
+          <a:prstGeom prst="rightArrow">
+            <a:avLst/>
+          </a:prstGeom>
+        </p:spPr>
+        <p:style>
+          <a:lnRef idx="2">
+            <a:schemeClr val="accent1">
+              <a:shade val="50000"/>
+            </a:schemeClr>
+          </a:lnRef>
+          <a:fillRef idx="1">
+            <a:schemeClr val="accent1"/>
+          </a:fillRef>
+          <a:effectRef idx="0">
+            <a:schemeClr val="accent1"/>
+          </a:effectRef>
+          <a:fontRef idx="minor">
+            <a:schemeClr val="lt1"/>
+          </a:fontRef>
+        </p:style>
+        <p:txBody>
+          <a:bodyPr rtlCol="0" anchor="ctr"/>
+          <a:lstStyle/>
+          <a:p>
+            <a:pPr algn="ctr"/>
+            <a:r>
+              <a:rPr lang="en-US" sz="2400" b="1" dirty="0" smtClean="0"/>
+              <a:t>SRGAN</a:t>
+            </a:r>
+            <a:endParaRPr lang="en-US" b="1" dirty="0"/>
+          </a:p>
+        </p:txBody>
+      </p:sp>
+      <p:pic>
+        <p:nvPicPr>
+          <p:cNvPr id="2" name="Picture 1"/>
+          <p:cNvPicPr>
+            <a:picLocks noChangeAspect="1"/>
+          </p:cNvPicPr>
+          <p:nvPr/>
+        </p:nvPicPr>
+        <p:blipFill>
+          <a:blip r:embed="rId4">
+            <a:extLst>
+              <a:ext uri="{28A0092B-C50C-407E-A947-70E740481C1C}">
+                <a14:useLocalDpi xmlns:a14="http://schemas.microsoft.com/office/drawing/2010/main" val="0"/>
+              </a:ext>
+            </a:extLst>
+          </a:blip>
+          <a:stretch>
+            <a:fillRect/>
+          </a:stretch>
+        </p:blipFill>
+        <p:spPr>
           <a:xfrm>
             <a:off x="0" y="538843"/>
-            <a:ext cx="12192000" cy="5780314"/>
-            <a:chOff x="0" y="628995"/>
-            <a:chExt cx="12192000" cy="5780314"/>
+            <a:ext cx="5322937" cy="5778596"/>
           </a:xfrm>
-        </p:grpSpPr>
-        <p:pic>
-          <p:nvPicPr>
-            <p:cNvPr id="10" name="Picture 9"/>
-            <p:cNvPicPr>
-              <a:picLocks noChangeAspect="1"/>
-            </p:cNvPicPr>
-            <p:nvPr/>
-          </p:nvPicPr>
-          <p:blipFill>
-            <a:blip r:embed="rId3">
-              <a:extLst>
-                <a:ext uri="{28A0092B-C50C-407E-A947-70E740481C1C}">
-                  <a14:useLocalDpi xmlns:a14="http://schemas.microsoft.com/office/drawing/2010/main" val="0"/>
-                </a:ext>
-              </a:extLst>
-            </a:blip>
-            <a:stretch>
-              <a:fillRect/>
-            </a:stretch>
-          </p:blipFill>
-          <p:spPr>
-            <a:xfrm>
-              <a:off x="0" y="628995"/>
-              <a:ext cx="5389506" cy="5780314"/>
-            </a:xfrm>
-            <a:prstGeom prst="rect">
-              <a:avLst/>
-            </a:prstGeom>
-          </p:spPr>
-        </p:pic>
-        <p:pic>
-          <p:nvPicPr>
-            <p:cNvPr id="12" name="Picture 11"/>
-            <p:cNvPicPr>
-              <a:picLocks noChangeAspect="1"/>
-            </p:cNvPicPr>
-            <p:nvPr/>
-          </p:nvPicPr>
-          <p:blipFill>
-            <a:blip r:embed="rId4">
-              <a:extLst>
-                <a:ext uri="{28A0092B-C50C-407E-A947-70E740481C1C}">
-                  <a14:useLocalDpi xmlns:a14="http://schemas.microsoft.com/office/drawing/2010/main" val="0"/>
-                </a:ext>
-              </a:extLst>
-            </a:blip>
-            <a:stretch>
-              <a:fillRect/>
-            </a:stretch>
-          </p:blipFill>
-          <p:spPr>
-            <a:xfrm>
-              <a:off x="6801818" y="628995"/>
-              <a:ext cx="5390182" cy="5780314"/>
-            </a:xfrm>
-            <a:prstGeom prst="rect">
-              <a:avLst/>
-            </a:prstGeom>
-          </p:spPr>
-        </p:pic>
-        <p:sp>
-          <p:nvSpPr>
-            <p:cNvPr id="15" name="Right Arrow 14"/>
-            <p:cNvSpPr/>
-            <p:nvPr/>
-          </p:nvSpPr>
-          <p:spPr>
-            <a:xfrm>
-              <a:off x="5410400" y="3070116"/>
-              <a:ext cx="1370523" cy="898072"/>
-            </a:xfrm>
-            <a:prstGeom prst="rightArrow">
-              <a:avLst/>
-            </a:prstGeom>
-          </p:spPr>
-          <p:style>
-            <a:lnRef idx="2">
-              <a:schemeClr val="accent1">
-                <a:shade val="50000"/>
-              </a:schemeClr>
-            </a:lnRef>
-            <a:fillRef idx="1">
-              <a:schemeClr val="accent1"/>
-            </a:fillRef>
-            <a:effectRef idx="0">
-              <a:schemeClr val="accent1"/>
-            </a:effectRef>
-            <a:fontRef idx="minor">
-              <a:schemeClr val="lt1"/>
-            </a:fontRef>
-          </p:style>
-          <p:txBody>
-            <a:bodyPr rtlCol="0" anchor="ctr"/>
-            <a:lstStyle/>
-            <a:p>
-              <a:pPr algn="ctr"/>
-              <a:endParaRPr lang="en-US"/>
-            </a:p>
-          </p:txBody>
-        </p:sp>
-      </p:grpSp>
+          <a:prstGeom prst="rect">
+            <a:avLst/>
+          </a:prstGeom>
+        </p:spPr>
+      </p:pic>
+      <p:sp>
+        <p:nvSpPr>
+          <p:cNvPr id="3" name="TextBox 2"/>
+          <p:cNvSpPr txBox="1"/>
+          <p:nvPr/>
+        </p:nvSpPr>
+        <p:spPr>
+          <a:xfrm>
+            <a:off x="1747156" y="6317439"/>
+            <a:ext cx="1745286" cy="584775"/>
+          </a:xfrm>
+          <a:prstGeom prst="rect">
+            <a:avLst/>
+          </a:prstGeom>
+          <a:noFill/>
+        </p:spPr>
+        <p:txBody>
+          <a:bodyPr wrap="none" rtlCol="0">
+            <a:spAutoFit/>
+          </a:bodyPr>
+          <a:lstStyle/>
+          <a:p>
+            <a:r>
+              <a:rPr lang="en-US" sz="3200" b="1" dirty="0" smtClean="0"/>
+              <a:t>LG Image</a:t>
+            </a:r>
+            <a:endParaRPr lang="en-US" sz="3200" b="1" dirty="0"/>
+          </a:p>
+        </p:txBody>
+      </p:sp>
+      <p:sp>
+        <p:nvSpPr>
+          <p:cNvPr id="8" name="TextBox 7"/>
+          <p:cNvSpPr txBox="1"/>
+          <p:nvPr/>
+        </p:nvSpPr>
+        <p:spPr>
+          <a:xfrm>
+            <a:off x="7859482" y="6317439"/>
+            <a:ext cx="3112840" cy="584775"/>
+          </a:xfrm>
+          <a:prstGeom prst="rect">
+            <a:avLst/>
+          </a:prstGeom>
+          <a:noFill/>
+        </p:spPr>
+        <p:txBody>
+          <a:bodyPr wrap="none" rtlCol="0">
+            <a:spAutoFit/>
+          </a:bodyPr>
+          <a:lstStyle/>
+          <a:p>
+            <a:r>
+              <a:rPr lang="en-US" sz="3200" b="1" smtClean="0"/>
+              <a:t>Generated Image</a:t>
+            </a:r>
+            <a:endParaRPr lang="en-US" sz="3200" b="1" dirty="0"/>
+          </a:p>
+        </p:txBody>
+      </p:sp>
     </p:spTree>
     <p:extLst>
       <p:ext uri="{BB962C8B-B14F-4D97-AF65-F5344CB8AC3E}">
